--- a/04-PresentationSecondPhase-2020-05-19.pptx
+++ b/04-PresentationSecondPhase-2020-05-19.pptx
@@ -6865,7 +6865,7 @@
       </p:cxnSp>
       <p:pic>
         <p:nvPicPr>
-          <p:cNvPr id="9" name="Content Placeholder 8" descr="A close up of a logo&#10;&#10;Description automatically generated">
+          <p:cNvPr id="9" name="Content Placeholder 8">
             <a:extLst>
               <a:ext uri="{FF2B5EF4-FFF2-40B4-BE49-F238E27FC236}">
                 <a16:creationId xmlns:a16="http://schemas.microsoft.com/office/drawing/2014/main" id="{5EC106F0-80DD-41D1-B28D-B623B058F435}"/>
@@ -6881,14 +6881,13 @@
         </p:nvPicPr>
         <p:blipFill>
           <a:blip r:embed="rId2"/>
-          <a:stretch>
-            <a:fillRect/>
-          </a:stretch>
+          <a:srcRect/>
+          <a:stretch/>
         </p:blipFill>
         <p:spPr>
           <a:xfrm>
-            <a:off x="5282335" y="779949"/>
-            <a:ext cx="6275667" cy="3530062"/>
+            <a:off x="5282336" y="779949"/>
+            <a:ext cx="6275665" cy="3530062"/>
           </a:xfrm>
           <a:prstGeom prst="rect">
             <a:avLst/>
@@ -6973,7 +6972,7 @@
             </a:r>
             <a:r>
               <a:rPr lang="en-US" sz="1400" dirty="0"/>
-              <a:t>. (2020). Depth-First Search [gif]. Stack Abuse https://stackabuse.com/graphs-in-java-depth-first-search-dfs/</a:t>
+              <a:t>. (2020). Breadth-First Search [gif]. Stack Abuse https://stackabuse.com/graphs-in-java-breadth-first-search-bfs/</a:t>
             </a:r>
             <a:endParaRPr lang="nl-NL" sz="1400" dirty="0"/>
           </a:p>
@@ -7533,15 +7532,48 @@
           </p:nvPr>
         </p:nvPicPr>
         <p:blipFill>
-          <a:blip r:embed="rId3"/>
+          <a:blip r:embed="rId4"/>
           <a:stretch>
             <a:fillRect/>
           </a:stretch>
         </p:blipFill>
         <p:spPr>
           <a:xfrm>
-            <a:off x="1097280" y="2274146"/>
-            <a:ext cx="6096000" cy="3429000"/>
+            <a:off x="385703" y="2657050"/>
+            <a:ext cx="5710297" cy="3212042"/>
+          </a:xfrm>
+          <a:prstGeom prst="rect">
+            <a:avLst/>
+          </a:prstGeom>
+        </p:spPr>
+      </p:pic>
+      <p:pic>
+        <p:nvPicPr>
+          <p:cNvPr id="6" name="Online Media 5" title="Crazy putting bot demo">
+            <a:hlinkClick r:id="" action="ppaction://media"/>
+            <a:extLst>
+              <a:ext uri="{FF2B5EF4-FFF2-40B4-BE49-F238E27FC236}">
+                <a16:creationId xmlns:a16="http://schemas.microsoft.com/office/drawing/2014/main" id="{BE8BB888-4BBD-4EDA-9CF5-FC09844D8476}"/>
+              </a:ext>
+            </a:extLst>
+          </p:cNvPr>
+          <p:cNvPicPr>
+            <a:picLocks noRot="1" noChangeAspect="1"/>
+          </p:cNvPicPr>
+          <p:nvPr>
+            <a:videoFile r:link="rId2"/>
+          </p:nvPr>
+        </p:nvPicPr>
+        <p:blipFill>
+          <a:blip r:embed="rId5"/>
+          <a:stretch>
+            <a:fillRect/>
+          </a:stretch>
+        </p:blipFill>
+        <p:spPr>
+          <a:xfrm>
+            <a:off x="6096000" y="2657050"/>
+            <a:ext cx="5710297" cy="3212042"/>
           </a:xfrm>
           <a:prstGeom prst="rect">
             <a:avLst/>
@@ -7601,6 +7633,41 @@
                       </p:childTnLst>
                     </p:cTn>
                   </p:par>
+                  <p:par>
+                    <p:cTn id="7" fill="hold">
+                      <p:stCondLst>
+                        <p:cond delay="indefinite"/>
+                      </p:stCondLst>
+                      <p:childTnLst>
+                        <p:par>
+                          <p:cTn id="8" fill="hold">
+                            <p:stCondLst>
+                              <p:cond delay="0"/>
+                            </p:stCondLst>
+                            <p:childTnLst>
+                              <p:par>
+                                <p:cTn id="9" presetID="1" presetClass="mediacall" presetSubtype="0" fill="hold" nodeType="clickEffect">
+                                  <p:stCondLst>
+                                    <p:cond delay="0"/>
+                                  </p:stCondLst>
+                                  <p:childTnLst>
+                                    <p:cmd type="call" cmd="playFrom(0.0)">
+                                      <p:cBhvr>
+                                        <p:cTn id="10" dur="1" fill="hold"/>
+                                        <p:tgtEl>
+                                          <p:spTgt spid="6"/>
+                                        </p:tgtEl>
+                                      </p:cBhvr>
+                                    </p:cmd>
+                                  </p:childTnLst>
+                                </p:cTn>
+                              </p:par>
+                            </p:childTnLst>
+                          </p:cTn>
+                        </p:par>
+                      </p:childTnLst>
+                    </p:cTn>
+                  </p:par>
                 </p:childTnLst>
               </p:cTn>
               <p:prevCondLst>
@@ -7620,7 +7687,7 @@
             </p:seq>
             <p:video>
               <p:cMediaNode vol="80000">
-                <p:cTn id="7" fill="hold" display="0">
+                <p:cTn id="11" fill="hold" display="0">
                   <p:stCondLst>
                     <p:cond delay="indefinite"/>
                   </p:stCondLst>
@@ -7631,7 +7698,7 @@
               </p:cMediaNode>
             </p:video>
             <p:seq concurrent="1" nextAc="seek">
-              <p:cTn id="8" restart="whenNotActive" fill="hold" evtFilter="cancelBubble" nodeType="interactiveSeq">
+              <p:cTn id="12" restart="whenNotActive" fill="hold" evtFilter="cancelBubble" nodeType="interactiveSeq">
                 <p:stCondLst>
                   <p:cond evt="onClick" delay="0">
                     <p:tgtEl>
@@ -7644,26 +7711,26 @@
                 </p:endSync>
                 <p:childTnLst>
                   <p:par>
-                    <p:cTn id="9" fill="hold">
+                    <p:cTn id="13" fill="hold">
                       <p:stCondLst>
                         <p:cond delay="0"/>
                       </p:stCondLst>
                       <p:childTnLst>
                         <p:par>
-                          <p:cTn id="10" fill="hold">
+                          <p:cTn id="14" fill="hold">
                             <p:stCondLst>
                               <p:cond delay="0"/>
                             </p:stCondLst>
                             <p:childTnLst>
                               <p:par>
-                                <p:cTn id="11" presetID="2" presetClass="mediacall" presetSubtype="0" fill="hold" nodeType="clickEffect">
+                                <p:cTn id="15" presetID="2" presetClass="mediacall" presetSubtype="0" fill="hold" nodeType="clickEffect">
                                   <p:stCondLst>
                                     <p:cond delay="0"/>
                                   </p:stCondLst>
                                   <p:childTnLst>
                                     <p:cmd type="call" cmd="togglePause">
                                       <p:cBhvr>
-                                        <p:cTn id="12" dur="1" fill="hold"/>
+                                        <p:cTn id="16" dur="1" fill="hold"/>
                                         <p:tgtEl>
                                           <p:spTgt spid="4"/>
                                         </p:tgtEl>
@@ -7684,6 +7751,76 @@
                 <p:cond evt="onClick" delay="0">
                   <p:tgtEl>
                     <p:spTgt spid="4"/>
+                  </p:tgtEl>
+                </p:cond>
+              </p:nextCondLst>
+            </p:seq>
+            <p:video>
+              <p:cMediaNode vol="80000">
+                <p:cTn id="17" fill="hold" display="0">
+                  <p:stCondLst>
+                    <p:cond delay="indefinite"/>
+                  </p:stCondLst>
+                </p:cTn>
+                <p:tgtEl>
+                  <p:spTgt spid="6"/>
+                </p:tgtEl>
+              </p:cMediaNode>
+            </p:video>
+            <p:seq concurrent="1" nextAc="seek">
+              <p:cTn id="18" restart="whenNotActive" fill="hold" evtFilter="cancelBubble" nodeType="interactiveSeq">
+                <p:stCondLst>
+                  <p:cond evt="onClick" delay="0">
+                    <p:tgtEl>
+                      <p:spTgt spid="6"/>
+                    </p:tgtEl>
+                  </p:cond>
+                </p:stCondLst>
+                <p:endSync evt="end" delay="0">
+                  <p:rtn val="all"/>
+                </p:endSync>
+                <p:childTnLst>
+                  <p:par>
+                    <p:cTn id="19" fill="hold">
+                      <p:stCondLst>
+                        <p:cond delay="0"/>
+                      </p:stCondLst>
+                      <p:childTnLst>
+                        <p:par>
+                          <p:cTn id="20" fill="hold">
+                            <p:stCondLst>
+                              <p:cond delay="0"/>
+                            </p:stCondLst>
+                            <p:childTnLst>
+                              <p:par>
+                                <p:cTn id="21" presetID="2" presetClass="mediacall" presetSubtype="0" fill="hold" nodeType="clickEffect">
+                                  <p:stCondLst>
+                                    <p:cond delay="0"/>
+                                  </p:stCondLst>
+                                  <p:childTnLst>
+                                    <p:cmd type="call" cmd="togglePause">
+                                      <p:cBhvr>
+                                        <p:cTn id="22" dur="1" fill="hold"/>
+                                        <p:tgtEl>
+                                          <p:spTgt spid="6"/>
+                                        </p:tgtEl>
+                                      </p:cBhvr>
+                                    </p:cmd>
+                                  </p:childTnLst>
+                                </p:cTn>
+                              </p:par>
+                            </p:childTnLst>
+                          </p:cTn>
+                        </p:par>
+                      </p:childTnLst>
+                    </p:cTn>
+                  </p:par>
+                </p:childTnLst>
+              </p:cTn>
+              <p:nextCondLst>
+                <p:cond evt="onClick" delay="0">
+                  <p:tgtEl>
+                    <p:spTgt spid="6"/>
                   </p:tgtEl>
                 </p:cond>
               </p:nextCondLst>
